--- a/LEARNING.NOTE/vscode.pptx
+++ b/LEARNING.NOTE/vscode.pptx
@@ -246,7 +246,7 @@
           <a:p>
             <a:fld id="{5FA3847D-9A14-4D57-B422-ADEC39080740}" type="datetimeFigureOut">
               <a:rPr lang="en-US" smtClean="0"/>
-              <a:t>10/2/2023</a:t>
+              <a:t>11/2/2023</a:t>
             </a:fld>
             <a:endParaRPr lang="en-US"/>
           </a:p>
@@ -414,7 +414,7 @@
           <a:p>
             <a:fld id="{5FA3847D-9A14-4D57-B422-ADEC39080740}" type="datetimeFigureOut">
               <a:rPr lang="en-US" smtClean="0"/>
-              <a:t>10/2/2023</a:t>
+              <a:t>11/2/2023</a:t>
             </a:fld>
             <a:endParaRPr lang="en-US"/>
           </a:p>
@@ -592,7 +592,7 @@
           <a:p>
             <a:fld id="{5FA3847D-9A14-4D57-B422-ADEC39080740}" type="datetimeFigureOut">
               <a:rPr lang="en-US" smtClean="0"/>
-              <a:t>10/2/2023</a:t>
+              <a:t>11/2/2023</a:t>
             </a:fld>
             <a:endParaRPr lang="en-US"/>
           </a:p>
@@ -760,7 +760,7 @@
           <a:p>
             <a:fld id="{5FA3847D-9A14-4D57-B422-ADEC39080740}" type="datetimeFigureOut">
               <a:rPr lang="en-US" smtClean="0"/>
-              <a:t>10/2/2023</a:t>
+              <a:t>11/2/2023</a:t>
             </a:fld>
             <a:endParaRPr lang="en-US"/>
           </a:p>
@@ -1005,7 +1005,7 @@
           <a:p>
             <a:fld id="{5FA3847D-9A14-4D57-B422-ADEC39080740}" type="datetimeFigureOut">
               <a:rPr lang="en-US" smtClean="0"/>
-              <a:t>10/2/2023</a:t>
+              <a:t>11/2/2023</a:t>
             </a:fld>
             <a:endParaRPr lang="en-US"/>
           </a:p>
@@ -1234,7 +1234,7 @@
           <a:p>
             <a:fld id="{5FA3847D-9A14-4D57-B422-ADEC39080740}" type="datetimeFigureOut">
               <a:rPr lang="en-US" smtClean="0"/>
-              <a:t>10/2/2023</a:t>
+              <a:t>11/2/2023</a:t>
             </a:fld>
             <a:endParaRPr lang="en-US"/>
           </a:p>
@@ -1598,7 +1598,7 @@
           <a:p>
             <a:fld id="{5FA3847D-9A14-4D57-B422-ADEC39080740}" type="datetimeFigureOut">
               <a:rPr lang="en-US" smtClean="0"/>
-              <a:t>10/2/2023</a:t>
+              <a:t>11/2/2023</a:t>
             </a:fld>
             <a:endParaRPr lang="en-US"/>
           </a:p>
@@ -1715,7 +1715,7 @@
           <a:p>
             <a:fld id="{5FA3847D-9A14-4D57-B422-ADEC39080740}" type="datetimeFigureOut">
               <a:rPr lang="en-US" smtClean="0"/>
-              <a:t>10/2/2023</a:t>
+              <a:t>11/2/2023</a:t>
             </a:fld>
             <a:endParaRPr lang="en-US"/>
           </a:p>
@@ -1810,7 +1810,7 @@
           <a:p>
             <a:fld id="{5FA3847D-9A14-4D57-B422-ADEC39080740}" type="datetimeFigureOut">
               <a:rPr lang="en-US" smtClean="0"/>
-              <a:t>10/2/2023</a:t>
+              <a:t>11/2/2023</a:t>
             </a:fld>
             <a:endParaRPr lang="en-US"/>
           </a:p>
@@ -2085,7 +2085,7 @@
           <a:p>
             <a:fld id="{5FA3847D-9A14-4D57-B422-ADEC39080740}" type="datetimeFigureOut">
               <a:rPr lang="en-US" smtClean="0"/>
-              <a:t>10/2/2023</a:t>
+              <a:t>11/2/2023</a:t>
             </a:fld>
             <a:endParaRPr lang="en-US"/>
           </a:p>
@@ -2337,7 +2337,7 @@
           <a:p>
             <a:fld id="{5FA3847D-9A14-4D57-B422-ADEC39080740}" type="datetimeFigureOut">
               <a:rPr lang="en-US" smtClean="0"/>
-              <a:t>10/2/2023</a:t>
+              <a:t>11/2/2023</a:t>
             </a:fld>
             <a:endParaRPr lang="en-US"/>
           </a:p>
@@ -2548,7 +2548,7 @@
           <a:p>
             <a:fld id="{5FA3847D-9A14-4D57-B422-ADEC39080740}" type="datetimeFigureOut">
               <a:rPr lang="en-US" smtClean="0"/>
-              <a:t>10/2/2023</a:t>
+              <a:t>11/2/2023</a:t>
             </a:fld>
             <a:endParaRPr lang="en-US"/>
           </a:p>
@@ -4021,6 +4021,48 @@
           </a:p>
         </p:txBody>
       </p:sp>
+      <p:sp>
+        <p:nvSpPr>
+          <p:cNvPr id="3" name="TextBox 2">
+            <a:extLst>
+              <a:ext uri="{FF2B5EF4-FFF2-40B4-BE49-F238E27FC236}">
+                <a16:creationId xmlns:a16="http://schemas.microsoft.com/office/drawing/2014/main" id="{B5417910-4B5D-0BB7-AFD7-E85CC2B4256B}"/>
+              </a:ext>
+            </a:extLst>
+          </p:cNvPr>
+          <p:cNvSpPr txBox="1"/>
+          <p:nvPr/>
+        </p:nvSpPr>
+        <p:spPr>
+          <a:xfrm>
+            <a:off x="735104" y="5622948"/>
+            <a:ext cx="5037621" cy="954107"/>
+          </a:xfrm>
+          <a:prstGeom prst="rect">
+            <a:avLst/>
+          </a:prstGeom>
+          <a:noFill/>
+        </p:spPr>
+        <p:txBody>
+          <a:bodyPr wrap="square" rtlCol="0">
+            <a:spAutoFit/>
+          </a:bodyPr>
+          <a:lstStyle/>
+          <a:p>
+            <a:r>
+              <a:rPr lang="en-US" sz="2800" dirty="0"/>
+              <a:t>ctrl + k + c</a:t>
+            </a:r>
+          </a:p>
+          <a:p>
+            <a:r>
+              <a:rPr lang="fa-IR" sz="2800" dirty="0"/>
+              <a:t>کامنت کردن کدهای انتخاب شده</a:t>
+            </a:r>
+            <a:endParaRPr lang="en-US" sz="2800" dirty="0"/>
+          </a:p>
+        </p:txBody>
+      </p:sp>
     </p:spTree>
     <p:extLst>
       <p:ext uri="{BB962C8B-B14F-4D97-AF65-F5344CB8AC3E}">

--- a/LEARNING.NOTE/vscode.pptx
+++ b/LEARNING.NOTE/vscode.pptx
@@ -7,10 +7,13 @@
   <p:sldIdLst>
     <p:sldId id="256" r:id="rId2"/>
     <p:sldId id="258" r:id="rId3"/>
-    <p:sldId id="262" r:id="rId4"/>
-    <p:sldId id="260" r:id="rId5"/>
-    <p:sldId id="261" r:id="rId6"/>
-    <p:sldId id="259" r:id="rId7"/>
+    <p:sldId id="264" r:id="rId4"/>
+    <p:sldId id="262" r:id="rId5"/>
+    <p:sldId id="263" r:id="rId6"/>
+    <p:sldId id="260" r:id="rId7"/>
+    <p:sldId id="261" r:id="rId8"/>
+    <p:sldId id="259" r:id="rId9"/>
+    <p:sldId id="265" r:id="rId10"/>
   </p:sldIdLst>
   <p:sldSz cx="12192000" cy="6858000"/>
   <p:notesSz cx="6858000" cy="9144000"/>
@@ -246,7 +249,7 @@
           <a:p>
             <a:fld id="{5FA3847D-9A14-4D57-B422-ADEC39080740}" type="datetimeFigureOut">
               <a:rPr lang="en-US" smtClean="0"/>
-              <a:t>11/2/2023</a:t>
+              <a:t>11/6/2023</a:t>
             </a:fld>
             <a:endParaRPr lang="en-US"/>
           </a:p>
@@ -414,7 +417,7 @@
           <a:p>
             <a:fld id="{5FA3847D-9A14-4D57-B422-ADEC39080740}" type="datetimeFigureOut">
               <a:rPr lang="en-US" smtClean="0"/>
-              <a:t>11/2/2023</a:t>
+              <a:t>11/6/2023</a:t>
             </a:fld>
             <a:endParaRPr lang="en-US"/>
           </a:p>
@@ -592,7 +595,7 @@
           <a:p>
             <a:fld id="{5FA3847D-9A14-4D57-B422-ADEC39080740}" type="datetimeFigureOut">
               <a:rPr lang="en-US" smtClean="0"/>
-              <a:t>11/2/2023</a:t>
+              <a:t>11/6/2023</a:t>
             </a:fld>
             <a:endParaRPr lang="en-US"/>
           </a:p>
@@ -760,7 +763,7 @@
           <a:p>
             <a:fld id="{5FA3847D-9A14-4D57-B422-ADEC39080740}" type="datetimeFigureOut">
               <a:rPr lang="en-US" smtClean="0"/>
-              <a:t>11/2/2023</a:t>
+              <a:t>11/6/2023</a:t>
             </a:fld>
             <a:endParaRPr lang="en-US"/>
           </a:p>
@@ -1005,7 +1008,7 @@
           <a:p>
             <a:fld id="{5FA3847D-9A14-4D57-B422-ADEC39080740}" type="datetimeFigureOut">
               <a:rPr lang="en-US" smtClean="0"/>
-              <a:t>11/2/2023</a:t>
+              <a:t>11/6/2023</a:t>
             </a:fld>
             <a:endParaRPr lang="en-US"/>
           </a:p>
@@ -1234,7 +1237,7 @@
           <a:p>
             <a:fld id="{5FA3847D-9A14-4D57-B422-ADEC39080740}" type="datetimeFigureOut">
               <a:rPr lang="en-US" smtClean="0"/>
-              <a:t>11/2/2023</a:t>
+              <a:t>11/6/2023</a:t>
             </a:fld>
             <a:endParaRPr lang="en-US"/>
           </a:p>
@@ -1598,7 +1601,7 @@
           <a:p>
             <a:fld id="{5FA3847D-9A14-4D57-B422-ADEC39080740}" type="datetimeFigureOut">
               <a:rPr lang="en-US" smtClean="0"/>
-              <a:t>11/2/2023</a:t>
+              <a:t>11/6/2023</a:t>
             </a:fld>
             <a:endParaRPr lang="en-US"/>
           </a:p>
@@ -1715,7 +1718,7 @@
           <a:p>
             <a:fld id="{5FA3847D-9A14-4D57-B422-ADEC39080740}" type="datetimeFigureOut">
               <a:rPr lang="en-US" smtClean="0"/>
-              <a:t>11/2/2023</a:t>
+              <a:t>11/6/2023</a:t>
             </a:fld>
             <a:endParaRPr lang="en-US"/>
           </a:p>
@@ -1810,7 +1813,7 @@
           <a:p>
             <a:fld id="{5FA3847D-9A14-4D57-B422-ADEC39080740}" type="datetimeFigureOut">
               <a:rPr lang="en-US" smtClean="0"/>
-              <a:t>11/2/2023</a:t>
+              <a:t>11/6/2023</a:t>
             </a:fld>
             <a:endParaRPr lang="en-US"/>
           </a:p>
@@ -2085,7 +2088,7 @@
           <a:p>
             <a:fld id="{5FA3847D-9A14-4D57-B422-ADEC39080740}" type="datetimeFigureOut">
               <a:rPr lang="en-US" smtClean="0"/>
-              <a:t>11/2/2023</a:t>
+              <a:t>11/6/2023</a:t>
             </a:fld>
             <a:endParaRPr lang="en-US"/>
           </a:p>
@@ -2337,7 +2340,7 @@
           <a:p>
             <a:fld id="{5FA3847D-9A14-4D57-B422-ADEC39080740}" type="datetimeFigureOut">
               <a:rPr lang="en-US" smtClean="0"/>
-              <a:t>11/2/2023</a:t>
+              <a:t>11/6/2023</a:t>
             </a:fld>
             <a:endParaRPr lang="en-US"/>
           </a:p>
@@ -2548,7 +2551,7 @@
           <a:p>
             <a:fld id="{5FA3847D-9A14-4D57-B422-ADEC39080740}" type="datetimeFigureOut">
               <a:rPr lang="en-US" smtClean="0"/>
-              <a:t>11/2/2023</a:t>
+              <a:t>11/6/2023</a:t>
             </a:fld>
             <a:endParaRPr lang="en-US"/>
           </a:p>
@@ -3280,8 +3283,12 @@
               <a:t>افزونه های مهم برای </a:t>
             </a:r>
             <a:r>
+              <a:rPr lang="en-US" sz="3600" dirty="0"/>
+              <a:t>html </a:t>
+            </a:r>
+            <a:r>
               <a:rPr lang="en-US" sz="3600" dirty="0" err="1"/>
-              <a:t>c#</a:t>
+              <a:t>css</a:t>
             </a:r>
             <a:endParaRPr lang="en-US" sz="3600" dirty="0"/>
           </a:p>
@@ -3296,7 +3303,7 @@
         <p:spPr>
           <a:xfrm>
             <a:off x="735106" y="1798920"/>
-            <a:ext cx="9646567" cy="954107"/>
+            <a:ext cx="9646567" cy="523220"/>
           </a:xfrm>
           <a:prstGeom prst="rect">
             <a:avLst/>
@@ -3311,16 +3318,12 @@
           <a:p>
             <a:r>
               <a:rPr lang="en-US" sz="2800" dirty="0" err="1"/>
-              <a:t>pretier</a:t>
-            </a:r>
-            <a:endParaRPr lang="en-US" sz="2800" dirty="0"/>
-          </a:p>
-          <a:p>
-            <a:r>
-              <a:rPr lang="fa-IR" sz="2800" dirty="0"/>
-              <a:t>نمایش</a:t>
-            </a:r>
-            <a:endParaRPr lang="en-US" sz="2800" dirty="0"/>
+              <a:t>Css</a:t>
+            </a:r>
+            <a:r>
+              <a:rPr lang="en-US" sz="2800" dirty="0"/>
+              <a:t> peek</a:t>
+            </a:r>
           </a:p>
         </p:txBody>
       </p:sp>
@@ -3332,8 +3335,8 @@
         </p:nvSpPr>
         <p:spPr>
           <a:xfrm>
-            <a:off x="735106" y="4694121"/>
-            <a:ext cx="11098306" cy="954107"/>
+            <a:off x="735106" y="3411151"/>
+            <a:ext cx="11098306" cy="523220"/>
           </a:xfrm>
           <a:prstGeom prst="rect">
             <a:avLst/>
@@ -3348,15 +3351,8 @@
           <a:p>
             <a:r>
               <a:rPr lang="en-US" sz="2800" dirty="0"/>
-              <a:t>Html snippet</a:t>
-            </a:r>
-          </a:p>
-          <a:p>
-            <a:r>
-              <a:rPr lang="fa-IR" sz="2800" dirty="0"/>
-              <a:t>برای کدنویسی راحت</a:t>
-            </a:r>
-            <a:endParaRPr lang="en-US" sz="2800" dirty="0"/>
+              <a:t>Project manager</a:t>
+            </a:r>
           </a:p>
         </p:txBody>
       </p:sp>
@@ -3368,8 +3364,8 @@
         </p:nvSpPr>
         <p:spPr>
           <a:xfrm>
-            <a:off x="735106" y="2969246"/>
-            <a:ext cx="9646567" cy="1815882"/>
+            <a:off x="735106" y="2662020"/>
+            <a:ext cx="9646567" cy="523220"/>
           </a:xfrm>
           <a:prstGeom prst="rect">
             <a:avLst/>
@@ -3383,36 +3379,115 @@
           <a:lstStyle/>
           <a:p>
             <a:r>
+              <a:rPr lang="en-US" sz="2800" dirty="0" err="1"/>
+              <a:t>chatgpt</a:t>
+            </a:r>
+            <a:endParaRPr lang="en-US" sz="2800" dirty="0"/>
+          </a:p>
+        </p:txBody>
+      </p:sp>
+      <p:sp>
+        <p:nvSpPr>
+          <p:cNvPr id="6" name="TextBox 5">
+            <a:extLst>
+              <a:ext uri="{FF2B5EF4-FFF2-40B4-BE49-F238E27FC236}">
+                <a16:creationId xmlns:a16="http://schemas.microsoft.com/office/drawing/2014/main" id="{8488E7E4-26DB-49BE-99E0-29329FF29227}"/>
+              </a:ext>
+            </a:extLst>
+          </p:cNvPr>
+          <p:cNvSpPr txBox="1"/>
+          <p:nvPr/>
+        </p:nvSpPr>
+        <p:spPr>
+          <a:xfrm>
+            <a:off x="735106" y="4183835"/>
+            <a:ext cx="11098306" cy="523220"/>
+          </a:xfrm>
+          <a:prstGeom prst="rect">
+            <a:avLst/>
+          </a:prstGeom>
+          <a:noFill/>
+        </p:spPr>
+        <p:txBody>
+          <a:bodyPr wrap="square" rtlCol="0">
+            <a:spAutoFit/>
+          </a:bodyPr>
+          <a:lstStyle/>
+          <a:p>
+            <a:r>
+              <a:rPr lang="en-US" sz="2800" dirty="0" err="1"/>
+              <a:t>butify</a:t>
+            </a:r>
+            <a:endParaRPr lang="en-US" sz="2800" dirty="0"/>
+          </a:p>
+        </p:txBody>
+      </p:sp>
+      <p:sp>
+        <p:nvSpPr>
+          <p:cNvPr id="7" name="TextBox 6">
+            <a:extLst>
+              <a:ext uri="{FF2B5EF4-FFF2-40B4-BE49-F238E27FC236}">
+                <a16:creationId xmlns:a16="http://schemas.microsoft.com/office/drawing/2014/main" id="{96063A9F-0067-4EE0-8811-33E0541AE328}"/>
+              </a:ext>
+            </a:extLst>
+          </p:cNvPr>
+          <p:cNvSpPr txBox="1"/>
+          <p:nvPr/>
+        </p:nvSpPr>
+        <p:spPr>
+          <a:xfrm>
+            <a:off x="735106" y="4956519"/>
+            <a:ext cx="11098306" cy="523220"/>
+          </a:xfrm>
+          <a:prstGeom prst="rect">
+            <a:avLst/>
+          </a:prstGeom>
+          <a:noFill/>
+        </p:spPr>
+        <p:txBody>
+          <a:bodyPr wrap="square" rtlCol="0">
+            <a:spAutoFit/>
+          </a:bodyPr>
+          <a:lstStyle/>
+          <a:p>
+            <a:r>
               <a:rPr lang="en-US" sz="2800" dirty="0"/>
-              <a:t>snippets or </a:t>
-            </a:r>
-            <a:r>
-              <a:rPr lang="en-US" sz="2800" dirty="0" err="1"/>
-              <a:t>intellisense</a:t>
-            </a:r>
-            <a:endParaRPr lang="en-US" sz="2800" dirty="0"/>
-          </a:p>
-          <a:p>
-            <a:r>
-              <a:rPr lang="fa-IR" sz="2800" dirty="0"/>
-              <a:t>اینتلیسنس برای هر زبان باید نصب شود</a:t>
-            </a:r>
-          </a:p>
-          <a:p>
-            <a:r>
-              <a:rPr lang="fa-IR" sz="2800" dirty="0"/>
-              <a:t>تکمیل کننده کد: با نوشتن حروف اختصاری کد تولید می شود </a:t>
-            </a:r>
-            <a:r>
-              <a:rPr lang="en-US" sz="2800" dirty="0"/>
-              <a:t>tab </a:t>
-            </a:r>
-            <a:endParaRPr lang="fa-IR" sz="2800" dirty="0"/>
-          </a:p>
-          <a:p>
-            <a:r>
-              <a:rPr lang="fa-IR" sz="2800" dirty="0"/>
-              <a:t>آیکن مربع تو خالی </a:t>
+              <a:t>Tab nine</a:t>
+            </a:r>
+          </a:p>
+        </p:txBody>
+      </p:sp>
+      <p:sp>
+        <p:nvSpPr>
+          <p:cNvPr id="8" name="TextBox 7">
+            <a:extLst>
+              <a:ext uri="{FF2B5EF4-FFF2-40B4-BE49-F238E27FC236}">
+                <a16:creationId xmlns:a16="http://schemas.microsoft.com/office/drawing/2014/main" id="{B7CCED6F-2FC1-4117-AA4D-8FD75EC536D0}"/>
+              </a:ext>
+            </a:extLst>
+          </p:cNvPr>
+          <p:cNvSpPr txBox="1"/>
+          <p:nvPr/>
+        </p:nvSpPr>
+        <p:spPr>
+          <a:xfrm>
+            <a:off x="735106" y="5764745"/>
+            <a:ext cx="11098306" cy="523220"/>
+          </a:xfrm>
+          <a:prstGeom prst="rect">
+            <a:avLst/>
+          </a:prstGeom>
+          <a:noFill/>
+        </p:spPr>
+        <p:txBody>
+          <a:bodyPr wrap="square" rtlCol="0">
+            <a:spAutoFit/>
+          </a:bodyPr>
+          <a:lstStyle/>
+          <a:p>
+            <a:r>
+              <a:rPr lang="en-US" sz="2800"/>
+              <a:t>ttttttt</a:t>
             </a:r>
             <a:endParaRPr lang="en-US" sz="2800" dirty="0"/>
           </a:p>
@@ -3421,7 +3496,7 @@
     </p:spTree>
     <p:extLst>
       <p:ext uri="{BB962C8B-B14F-4D97-AF65-F5344CB8AC3E}">
-        <p14:creationId xmlns:p14="http://schemas.microsoft.com/office/powerpoint/2010/main" val="398934342"/>
+        <p14:creationId xmlns:p14="http://schemas.microsoft.com/office/powerpoint/2010/main" val="587743851"/>
       </p:ext>
     </p:extLst>
   </p:cSld>
@@ -3456,8 +3531,8 @@
         </p:nvSpPr>
         <p:spPr>
           <a:xfrm>
-            <a:off x="2613891" y="812709"/>
-            <a:ext cx="6275023" cy="646331"/>
+            <a:off x="3679604" y="812709"/>
+            <a:ext cx="5209310" cy="646331"/>
           </a:xfrm>
           <a:prstGeom prst="rect">
             <a:avLst/>
@@ -3476,22 +3551,23 @@
               <a:t>افزونه های مهم برای </a:t>
             </a:r>
             <a:r>
-              <a:rPr lang="en-US" sz="3600" dirty="0"/>
-              <a:t>asp.net core</a:t>
-            </a:r>
-          </a:p>
-        </p:txBody>
-      </p:sp>
-      <p:sp>
-        <p:nvSpPr>
-          <p:cNvPr id="10" name="TextBox 9"/>
+              <a:rPr lang="en-US" sz="3600" dirty="0" err="1"/>
+              <a:t>c#</a:t>
+            </a:r>
+            <a:endParaRPr lang="en-US" sz="3600" dirty="0"/>
+          </a:p>
+        </p:txBody>
+      </p:sp>
+      <p:sp>
+        <p:nvSpPr>
+          <p:cNvPr id="5" name="TextBox 4"/>
           <p:cNvSpPr txBox="1"/>
           <p:nvPr/>
         </p:nvSpPr>
         <p:spPr>
           <a:xfrm>
-            <a:off x="551699" y="1313898"/>
-            <a:ext cx="11098306" cy="5693866"/>
+            <a:off x="735106" y="1798920"/>
+            <a:ext cx="9646567" cy="954107"/>
           </a:xfrm>
           <a:prstGeom prst="rect">
             <a:avLst/>
@@ -3505,130 +3581,110 @@
           <a:lstStyle/>
           <a:p>
             <a:r>
+              <a:rPr lang="en-US" sz="2800" dirty="0" err="1"/>
+              <a:t>pretier</a:t>
+            </a:r>
+            <a:endParaRPr lang="en-US" sz="2800" dirty="0"/>
+          </a:p>
+          <a:p>
+            <a:r>
+              <a:rPr lang="fa-IR" sz="2800" dirty="0"/>
+              <a:t>نمایش</a:t>
+            </a:r>
+            <a:endParaRPr lang="en-US" sz="2800" dirty="0"/>
+          </a:p>
+        </p:txBody>
+      </p:sp>
+      <p:sp>
+        <p:nvSpPr>
+          <p:cNvPr id="10" name="TextBox 9"/>
+          <p:cNvSpPr txBox="1"/>
+          <p:nvPr/>
+        </p:nvSpPr>
+        <p:spPr>
+          <a:xfrm>
+            <a:off x="735106" y="4694121"/>
+            <a:ext cx="11098306" cy="954107"/>
+          </a:xfrm>
+          <a:prstGeom prst="rect">
+            <a:avLst/>
+          </a:prstGeom>
+          <a:noFill/>
+        </p:spPr>
+        <p:txBody>
+          <a:bodyPr wrap="square" rtlCol="0">
+            <a:spAutoFit/>
+          </a:bodyPr>
+          <a:lstStyle/>
+          <a:p>
+            <a:r>
               <a:rPr lang="en-US" sz="2800" dirty="0"/>
-              <a:t>C#</a:t>
-            </a:r>
-          </a:p>
+              <a:t>Html snippet</a:t>
+            </a:r>
+          </a:p>
+          <a:p>
+            <a:r>
+              <a:rPr lang="fa-IR" sz="2800" dirty="0"/>
+              <a:t>برای کدنویسی راحت</a:t>
+            </a:r>
+            <a:endParaRPr lang="en-US" sz="2800" dirty="0"/>
+          </a:p>
+        </p:txBody>
+      </p:sp>
+      <p:sp>
+        <p:nvSpPr>
+          <p:cNvPr id="11" name="TextBox 10"/>
+          <p:cNvSpPr txBox="1"/>
+          <p:nvPr/>
+        </p:nvSpPr>
+        <p:spPr>
+          <a:xfrm>
+            <a:off x="735106" y="2969246"/>
+            <a:ext cx="9646567" cy="1815882"/>
+          </a:xfrm>
+          <a:prstGeom prst="rect">
+            <a:avLst/>
+          </a:prstGeom>
+          <a:noFill/>
+        </p:spPr>
+        <p:txBody>
+          <a:bodyPr wrap="square" rtlCol="0">
+            <a:spAutoFit/>
+          </a:bodyPr>
+          <a:lstStyle/>
           <a:p>
             <a:r>
               <a:rPr lang="en-US" sz="2800" dirty="0"/>
-              <a:t>C# Fix format</a:t>
-            </a:r>
-          </a:p>
-          <a:p>
+              <a:t>snippets or </a:t>
+            </a:r>
+            <a:r>
+              <a:rPr lang="en-US" sz="2800" dirty="0" err="1"/>
+              <a:t>intellisense</a:t>
+            </a:r>
+            <a:endParaRPr lang="en-US" sz="2800" dirty="0"/>
+          </a:p>
+          <a:p>
+            <a:r>
+              <a:rPr lang="fa-IR" sz="2800" dirty="0"/>
+              <a:t>اینتلیسنس برای هر زبان باید نصب شود</a:t>
+            </a:r>
+          </a:p>
+          <a:p>
+            <a:r>
+              <a:rPr lang="fa-IR" sz="2800" dirty="0"/>
+              <a:t>تکمیل کننده کد: با نوشتن حروف اختصاری کد تولید می شود </a:t>
+            </a:r>
             <a:r>
               <a:rPr lang="en-US" sz="2800" dirty="0"/>
-              <a:t>C# snippets</a:t>
-            </a:r>
-          </a:p>
-          <a:p>
-            <a:r>
-              <a:rPr lang="en-US" sz="2800" dirty="0"/>
-              <a:t>Asp.net snippets</a:t>
-            </a:r>
-          </a:p>
-          <a:p>
-            <a:r>
-              <a:rPr lang="en-US" sz="2800" dirty="0"/>
-              <a:t>C# </a:t>
-            </a:r>
-            <a:r>
-              <a:rPr lang="en-US" sz="2800" dirty="0" err="1"/>
-              <a:t>extentions</a:t>
-            </a:r>
-            <a:r>
-              <a:rPr lang="en-US" sz="2800" dirty="0"/>
-              <a:t>   </a:t>
-            </a:r>
-          </a:p>
-          <a:p>
-            <a:r>
-              <a:rPr lang="en-US" sz="2800" dirty="0"/>
-              <a:t>Bracket pair colorizer    </a:t>
-            </a:r>
+              <a:t>tab </a:t>
+            </a:r>
+            <a:endParaRPr lang="fa-IR" sz="2800" dirty="0"/>
+          </a:p>
+          <a:p>
             <a:r>
               <a:rPr lang="fa-IR" sz="2800" dirty="0"/>
-              <a:t>رنگی نمایش دادن براکتها</a:t>
-            </a:r>
-          </a:p>
-          <a:p>
-            <a:r>
-              <a:rPr lang="en-US" sz="2800" dirty="0"/>
-              <a:t>Path </a:t>
-            </a:r>
-            <a:r>
-              <a:rPr lang="en-US" sz="2800" dirty="0" err="1"/>
-              <a:t>intelisense</a:t>
-            </a:r>
-            <a:r>
-              <a:rPr lang="en-US" sz="2800" dirty="0"/>
-              <a:t>  </a:t>
-            </a:r>
-            <a:r>
-              <a:rPr lang="fa-IR" sz="2800" dirty="0"/>
-              <a:t>کمک در نوشتن آدرسها</a:t>
-            </a:r>
-            <a:endParaRPr lang="en-US" sz="2800" dirty="0"/>
-          </a:p>
-          <a:p>
-            <a:r>
-              <a:rPr lang="en-US" sz="2800" dirty="0" err="1"/>
-              <a:t>.net</a:t>
-            </a:r>
-            <a:r>
-              <a:rPr lang="en-US" sz="2800" dirty="0"/>
-              <a:t> core tools   </a:t>
-            </a:r>
-            <a:r>
-              <a:rPr lang="fa-IR" sz="2800" dirty="0"/>
-              <a:t>بیلد کردن و اجرای برنامه های ای اس پی</a:t>
-            </a:r>
-          </a:p>
-          <a:p>
-            <a:r>
-              <a:rPr lang="en-US" sz="2800" dirty="0"/>
-              <a:t>Auto close </a:t>
-            </a:r>
-            <a:r>
-              <a:rPr lang="en-US" sz="2800" dirty="0" err="1"/>
-              <a:t>tsg</a:t>
-            </a:r>
-            <a:endParaRPr lang="en-US" sz="2800" dirty="0"/>
-          </a:p>
-          <a:p>
-            <a:r>
-              <a:rPr lang="en-US" sz="2800" dirty="0"/>
-              <a:t>Auto rename tag  </a:t>
-            </a:r>
-            <a:endParaRPr lang="fa-IR" sz="2800" dirty="0"/>
-          </a:p>
-          <a:p>
-            <a:r>
-              <a:rPr lang="en-US" sz="2800" dirty="0"/>
-              <a:t>C# </a:t>
-            </a:r>
-            <a:r>
-              <a:rPr lang="en-US" sz="2800" dirty="0" err="1"/>
-              <a:t>fixformat</a:t>
-            </a:r>
-            <a:endParaRPr lang="en-US" sz="2800" dirty="0"/>
-          </a:p>
-          <a:p>
-            <a:r>
-              <a:rPr lang="en-US" sz="2800" dirty="0" err="1"/>
-              <a:t>Gitlens-git</a:t>
-            </a:r>
-            <a:r>
-              <a:rPr lang="en-US" sz="2800" dirty="0"/>
-              <a:t> </a:t>
-            </a:r>
-            <a:r>
-              <a:rPr lang="en-US" sz="2800" dirty="0" err="1"/>
-              <a:t>superchanged</a:t>
-            </a:r>
-            <a:endParaRPr lang="en-US" sz="2800" dirty="0"/>
-          </a:p>
-          <a:p>
+              <a:t>آیکن مربع تو خالی </a:t>
+            </a:r>
             <a:endParaRPr lang="en-US" sz="2800" dirty="0"/>
           </a:p>
         </p:txBody>
@@ -3636,7 +3692,7 @@
     </p:spTree>
     <p:extLst>
       <p:ext uri="{BB962C8B-B14F-4D97-AF65-F5344CB8AC3E}">
-        <p14:creationId xmlns:p14="http://schemas.microsoft.com/office/powerpoint/2010/main" val="488468760"/>
+        <p14:creationId xmlns:p14="http://schemas.microsoft.com/office/powerpoint/2010/main" val="398934342"/>
       </p:ext>
     </p:extLst>
   </p:cSld>
@@ -3671,8 +3727,8 @@
         </p:nvSpPr>
         <p:spPr>
           <a:xfrm>
-            <a:off x="2613891" y="812709"/>
-            <a:ext cx="6275023" cy="646331"/>
+            <a:off x="3679604" y="812709"/>
+            <a:ext cx="5209310" cy="646331"/>
           </a:xfrm>
           <a:prstGeom prst="rect">
             <a:avLst/>
@@ -3691,22 +3747,23 @@
               <a:t>افزونه های مهم برای </a:t>
             </a:r>
             <a:r>
-              <a:rPr lang="en-US" sz="3600" dirty="0"/>
-              <a:t>asp.net core</a:t>
-            </a:r>
-          </a:p>
-        </p:txBody>
-      </p:sp>
-      <p:sp>
-        <p:nvSpPr>
-          <p:cNvPr id="10" name="TextBox 9"/>
+              <a:rPr lang="en-US" sz="3600" dirty="0" err="1"/>
+              <a:t>c#</a:t>
+            </a:r>
+            <a:endParaRPr lang="en-US" sz="3600" dirty="0"/>
+          </a:p>
+        </p:txBody>
+      </p:sp>
+      <p:sp>
+        <p:nvSpPr>
+          <p:cNvPr id="5" name="TextBox 4"/>
           <p:cNvSpPr txBox="1"/>
           <p:nvPr/>
         </p:nvSpPr>
         <p:spPr>
           <a:xfrm>
-            <a:off x="551699" y="1313898"/>
-            <a:ext cx="11098306" cy="2677656"/>
+            <a:off x="735106" y="1798920"/>
+            <a:ext cx="9646567" cy="1384995"/>
           </a:xfrm>
           <a:prstGeom prst="rect">
             <a:avLst/>
@@ -3721,93 +3778,126 @@
           <a:p>
             <a:r>
               <a:rPr lang="en-US" sz="2800" dirty="0" err="1"/>
-              <a:t>.net</a:t>
-            </a:r>
+              <a:t>pretier</a:t>
+            </a:r>
+            <a:endParaRPr lang="en-US" sz="2800" dirty="0"/>
+          </a:p>
+          <a:p>
+            <a:r>
+              <a:rPr lang="fa-IR" sz="2800" dirty="0"/>
+              <a:t>نمایش کدها با رنگ بندی و زیبا</a:t>
+            </a:r>
+          </a:p>
+          <a:p>
+            <a:r>
+              <a:rPr lang="fa-IR" sz="2800" dirty="0"/>
+              <a:t>برای هر زبان باید نصب شود</a:t>
+            </a:r>
+            <a:endParaRPr lang="en-US" sz="2800" dirty="0"/>
+          </a:p>
+        </p:txBody>
+      </p:sp>
+      <p:sp>
+        <p:nvSpPr>
+          <p:cNvPr id="10" name="TextBox 9"/>
+          <p:cNvSpPr txBox="1"/>
+          <p:nvPr/>
+        </p:nvSpPr>
+        <p:spPr>
+          <a:xfrm>
+            <a:off x="735106" y="4694121"/>
+            <a:ext cx="11098306" cy="1815882"/>
+          </a:xfrm>
+          <a:prstGeom prst="rect">
+            <a:avLst/>
+          </a:prstGeom>
+          <a:noFill/>
+        </p:spPr>
+        <p:txBody>
+          <a:bodyPr wrap="square" rtlCol="0">
+            <a:spAutoFit/>
+          </a:bodyPr>
+          <a:lstStyle/>
+          <a:p>
             <a:r>
               <a:rPr lang="en-US" sz="2800" dirty="0"/>
-              <a:t> core add reference  </a:t>
-            </a:r>
+              <a:t>C#</a:t>
+            </a:r>
+          </a:p>
+          <a:p>
+            <a:r>
+              <a:rPr lang="en-US" sz="2800" dirty="0"/>
+              <a:t>C# Fix format</a:t>
+            </a:r>
+          </a:p>
+          <a:p>
+            <a:r>
+              <a:rPr lang="en-US" sz="2800" dirty="0"/>
+              <a:t>C# snippets</a:t>
+            </a:r>
+          </a:p>
+          <a:p>
             <a:r>
               <a:rPr lang="fa-IR" sz="2800" dirty="0"/>
-              <a:t>می توانیم بین پروژه ها رفرنس ایجاد کنیم</a:t>
-            </a:r>
-          </a:p>
+              <a:t>برای کدنویسی سی شارپ</a:t>
+            </a:r>
+            <a:endParaRPr lang="en-US" sz="2800" dirty="0"/>
+          </a:p>
+        </p:txBody>
+      </p:sp>
+      <p:sp>
+        <p:nvSpPr>
+          <p:cNvPr id="11" name="TextBox 10"/>
+          <p:cNvSpPr txBox="1"/>
+          <p:nvPr/>
+        </p:nvSpPr>
+        <p:spPr>
+          <a:xfrm>
+            <a:off x="735106" y="2969246"/>
+            <a:ext cx="9646567" cy="1815882"/>
+          </a:xfrm>
+          <a:prstGeom prst="rect">
+            <a:avLst/>
+          </a:prstGeom>
+          <a:noFill/>
+        </p:spPr>
+        <p:txBody>
+          <a:bodyPr wrap="square" rtlCol="0">
+            <a:spAutoFit/>
+          </a:bodyPr>
+          <a:lstStyle/>
           <a:p>
             <a:r>
               <a:rPr lang="en-US" sz="2800" dirty="0"/>
-              <a:t>ASP.net core switcher  </a:t>
-            </a:r>
+              <a:t>snippets or </a:t>
+            </a:r>
+            <a:r>
+              <a:rPr lang="en-US" sz="2800" dirty="0" err="1"/>
+              <a:t>intellisense</a:t>
+            </a:r>
+            <a:endParaRPr lang="en-US" sz="2800" dirty="0"/>
+          </a:p>
+          <a:p>
             <a:r>
               <a:rPr lang="fa-IR" sz="2800" dirty="0"/>
-              <a:t>بین مدل و پیج راحت سوئیچ میکنیم</a:t>
-            </a:r>
-          </a:p>
-          <a:p>
+              <a:t>اینتلیسنس برای هر زبان باید نصب شود</a:t>
+            </a:r>
+          </a:p>
+          <a:p>
+            <a:r>
+              <a:rPr lang="fa-IR" sz="2800" dirty="0"/>
+              <a:t>تکمیل کننده کد: با نوشتن حروف اختصاری کد تولید می شود </a:t>
+            </a:r>
             <a:r>
               <a:rPr lang="en-US" sz="2800" dirty="0"/>
-              <a:t>Auto-using for </a:t>
-            </a:r>
-            <a:r>
-              <a:rPr lang="en-US" sz="2800" dirty="0" err="1"/>
-              <a:t>c#</a:t>
-            </a:r>
-            <a:r>
-              <a:rPr lang="en-US" sz="2800" dirty="0"/>
-              <a:t>  </a:t>
-            </a:r>
+              <a:t>tab </a:t>
+            </a:r>
+            <a:endParaRPr lang="fa-IR" sz="2800" dirty="0"/>
+          </a:p>
+          <a:p>
             <a:r>
               <a:rPr lang="fa-IR" sz="2800" dirty="0"/>
-              <a:t>به طور خودکار فضای مورد نیاز را اضافه می کند</a:t>
-            </a:r>
-          </a:p>
-          <a:p>
-            <a:r>
-              <a:rPr lang="en-US" sz="2800" dirty="0"/>
-              <a:t>C# namespace </a:t>
-            </a:r>
-            <a:r>
-              <a:rPr lang="en-US" sz="2800" dirty="0" err="1"/>
-              <a:t>autocompletion</a:t>
-            </a:r>
-            <a:r>
-              <a:rPr lang="en-US" sz="2800" dirty="0"/>
-              <a:t> </a:t>
-            </a:r>
-            <a:r>
-              <a:rPr lang="fa-IR" sz="2800" dirty="0"/>
-              <a:t>اینتلیسنس برای نام فضاها </a:t>
-            </a:r>
-          </a:p>
-          <a:p>
-            <a:r>
-              <a:rPr lang="en-US" sz="2800" dirty="0"/>
-              <a:t>Highlight matching tag  </a:t>
-            </a:r>
-            <a:r>
-              <a:rPr lang="fa-IR" sz="2800" dirty="0"/>
-              <a:t>نمایان کردن تگ پایانی آن تگی که انتخاب شده است</a:t>
-            </a:r>
-          </a:p>
-          <a:p>
-            <a:r>
-              <a:rPr lang="en-US" sz="2800" dirty="0" err="1"/>
-              <a:t>Sql</a:t>
-            </a:r>
-            <a:r>
-              <a:rPr lang="en-US" sz="2800" dirty="0"/>
-              <a:t> server (</a:t>
-            </a:r>
-            <a:r>
-              <a:rPr lang="en-US" sz="2800" dirty="0" err="1"/>
-              <a:t>mssql</a:t>
-            </a:r>
-            <a:r>
-              <a:rPr lang="en-US" sz="2800" dirty="0"/>
-              <a:t>)   </a:t>
-            </a:r>
-            <a:r>
-              <a:rPr lang="fa-IR" sz="2800" dirty="0"/>
-              <a:t>دسترسی به بانک اطلاعاتی</a:t>
+              <a:t>آیکن مربع تو خالی </a:t>
             </a:r>
             <a:endParaRPr lang="en-US" sz="2800" dirty="0"/>
           </a:p>
@@ -3816,7 +3906,7 @@
     </p:spTree>
     <p:extLst>
       <p:ext uri="{BB962C8B-B14F-4D97-AF65-F5344CB8AC3E}">
-        <p14:creationId xmlns:p14="http://schemas.microsoft.com/office/powerpoint/2010/main" val="3869634622"/>
+        <p14:creationId xmlns:p14="http://schemas.microsoft.com/office/powerpoint/2010/main" val="1537951893"/>
       </p:ext>
     </p:extLst>
   </p:cSld>
@@ -3851,6 +3941,401 @@
         </p:nvSpPr>
         <p:spPr>
           <a:xfrm>
+            <a:off x="2613891" y="812709"/>
+            <a:ext cx="6275023" cy="646331"/>
+          </a:xfrm>
+          <a:prstGeom prst="rect">
+            <a:avLst/>
+          </a:prstGeom>
+          <a:noFill/>
+        </p:spPr>
+        <p:txBody>
+          <a:bodyPr wrap="square" rtlCol="0">
+            <a:spAutoFit/>
+          </a:bodyPr>
+          <a:lstStyle/>
+          <a:p>
+            <a:pPr algn="ctr" rtl="1"/>
+            <a:r>
+              <a:rPr lang="fa-IR" sz="3600" dirty="0"/>
+              <a:t>افزونه های مهم برای </a:t>
+            </a:r>
+            <a:r>
+              <a:rPr lang="en-US" sz="3600" dirty="0"/>
+              <a:t>asp.net core</a:t>
+            </a:r>
+          </a:p>
+        </p:txBody>
+      </p:sp>
+      <p:sp>
+        <p:nvSpPr>
+          <p:cNvPr id="10" name="TextBox 9"/>
+          <p:cNvSpPr txBox="1"/>
+          <p:nvPr/>
+        </p:nvSpPr>
+        <p:spPr>
+          <a:xfrm>
+            <a:off x="551699" y="1313898"/>
+            <a:ext cx="11098306" cy="5693866"/>
+          </a:xfrm>
+          <a:prstGeom prst="rect">
+            <a:avLst/>
+          </a:prstGeom>
+          <a:noFill/>
+        </p:spPr>
+        <p:txBody>
+          <a:bodyPr wrap="square" rtlCol="0">
+            <a:spAutoFit/>
+          </a:bodyPr>
+          <a:lstStyle/>
+          <a:p>
+            <a:r>
+              <a:rPr lang="en-US" sz="2800" dirty="0"/>
+              <a:t>C#</a:t>
+            </a:r>
+          </a:p>
+          <a:p>
+            <a:r>
+              <a:rPr lang="en-US" sz="2800" dirty="0"/>
+              <a:t>C# Fix format</a:t>
+            </a:r>
+          </a:p>
+          <a:p>
+            <a:r>
+              <a:rPr lang="en-US" sz="2800" dirty="0"/>
+              <a:t>C# snippets</a:t>
+            </a:r>
+          </a:p>
+          <a:p>
+            <a:r>
+              <a:rPr lang="en-US" sz="2800" dirty="0"/>
+              <a:t>Asp.net snippets</a:t>
+            </a:r>
+          </a:p>
+          <a:p>
+            <a:r>
+              <a:rPr lang="en-US" sz="2800" dirty="0"/>
+              <a:t>C# </a:t>
+            </a:r>
+            <a:r>
+              <a:rPr lang="en-US" sz="2800" dirty="0" err="1"/>
+              <a:t>extentions</a:t>
+            </a:r>
+            <a:r>
+              <a:rPr lang="en-US" sz="2800" dirty="0"/>
+              <a:t>   </a:t>
+            </a:r>
+          </a:p>
+          <a:p>
+            <a:r>
+              <a:rPr lang="en-US" sz="2800" dirty="0"/>
+              <a:t>Bracket pair colorizer    </a:t>
+            </a:r>
+            <a:r>
+              <a:rPr lang="fa-IR" sz="2800" dirty="0"/>
+              <a:t>رنگی نمایش دادن براکتها</a:t>
+            </a:r>
+          </a:p>
+          <a:p>
+            <a:r>
+              <a:rPr lang="en-US" sz="2800" dirty="0"/>
+              <a:t>Path </a:t>
+            </a:r>
+            <a:r>
+              <a:rPr lang="en-US" sz="2800" dirty="0" err="1"/>
+              <a:t>intelisense</a:t>
+            </a:r>
+            <a:r>
+              <a:rPr lang="en-US" sz="2800" dirty="0"/>
+              <a:t>  </a:t>
+            </a:r>
+            <a:r>
+              <a:rPr lang="fa-IR" sz="2800" dirty="0"/>
+              <a:t>کمک در نوشتن آدرسها</a:t>
+            </a:r>
+            <a:endParaRPr lang="en-US" sz="2800" dirty="0"/>
+          </a:p>
+          <a:p>
+            <a:r>
+              <a:rPr lang="en-US" sz="2800" dirty="0" err="1"/>
+              <a:t>.net</a:t>
+            </a:r>
+            <a:r>
+              <a:rPr lang="en-US" sz="2800" dirty="0"/>
+              <a:t> core tools   </a:t>
+            </a:r>
+            <a:r>
+              <a:rPr lang="fa-IR" sz="2800" dirty="0"/>
+              <a:t>بیلد کردن و اجرای برنامه های ای اس پی</a:t>
+            </a:r>
+          </a:p>
+          <a:p>
+            <a:r>
+              <a:rPr lang="en-US" sz="2800" dirty="0"/>
+              <a:t>Auto close </a:t>
+            </a:r>
+            <a:r>
+              <a:rPr lang="en-US" sz="2800" dirty="0" err="1"/>
+              <a:t>tsg</a:t>
+            </a:r>
+            <a:endParaRPr lang="en-US" sz="2800" dirty="0"/>
+          </a:p>
+          <a:p>
+            <a:r>
+              <a:rPr lang="en-US" sz="2800" dirty="0"/>
+              <a:t>Auto rename tag  </a:t>
+            </a:r>
+            <a:endParaRPr lang="fa-IR" sz="2800" dirty="0"/>
+          </a:p>
+          <a:p>
+            <a:r>
+              <a:rPr lang="en-US" sz="2800" dirty="0"/>
+              <a:t>C# </a:t>
+            </a:r>
+            <a:r>
+              <a:rPr lang="en-US" sz="2800" dirty="0" err="1"/>
+              <a:t>fixformat</a:t>
+            </a:r>
+            <a:endParaRPr lang="en-US" sz="2800" dirty="0"/>
+          </a:p>
+          <a:p>
+            <a:r>
+              <a:rPr lang="en-US" sz="2800" dirty="0" err="1"/>
+              <a:t>Gitlens-git</a:t>
+            </a:r>
+            <a:r>
+              <a:rPr lang="en-US" sz="2800" dirty="0"/>
+              <a:t> </a:t>
+            </a:r>
+            <a:r>
+              <a:rPr lang="en-US" sz="2800" dirty="0" err="1"/>
+              <a:t>superchanged</a:t>
+            </a:r>
+            <a:endParaRPr lang="en-US" sz="2800" dirty="0"/>
+          </a:p>
+          <a:p>
+            <a:endParaRPr lang="en-US" sz="2800" dirty="0"/>
+          </a:p>
+        </p:txBody>
+      </p:sp>
+    </p:spTree>
+    <p:extLst>
+      <p:ext uri="{BB962C8B-B14F-4D97-AF65-F5344CB8AC3E}">
+        <p14:creationId xmlns:p14="http://schemas.microsoft.com/office/powerpoint/2010/main" val="488468760"/>
+      </p:ext>
+    </p:extLst>
+  </p:cSld>
+  <p:clrMapOvr>
+    <a:masterClrMapping/>
+  </p:clrMapOvr>
+</p:sld>
+</file>
+
+<file path=ppt/slides/slide7.xml><?xml version="1.0" encoding="utf-8"?>
+<p:sld xmlns:a="http://schemas.openxmlformats.org/drawingml/2006/main" xmlns:r="http://schemas.openxmlformats.org/officeDocument/2006/relationships" xmlns:p="http://schemas.openxmlformats.org/presentationml/2006/main">
+  <p:cSld>
+    <p:spTree>
+      <p:nvGrpSpPr>
+        <p:cNvPr id="1" name=""/>
+        <p:cNvGrpSpPr/>
+        <p:nvPr/>
+      </p:nvGrpSpPr>
+      <p:grpSpPr>
+        <a:xfrm>
+          <a:off x="0" y="0"/>
+          <a:ext cx="0" cy="0"/>
+          <a:chOff x="0" y="0"/>
+          <a:chExt cx="0" cy="0"/>
+        </a:xfrm>
+      </p:grpSpPr>
+      <p:sp>
+        <p:nvSpPr>
+          <p:cNvPr id="2" name="TextBox 1"/>
+          <p:cNvSpPr txBox="1"/>
+          <p:nvPr/>
+        </p:nvSpPr>
+        <p:spPr>
+          <a:xfrm>
+            <a:off x="2613891" y="812709"/>
+            <a:ext cx="6275023" cy="646331"/>
+          </a:xfrm>
+          <a:prstGeom prst="rect">
+            <a:avLst/>
+          </a:prstGeom>
+          <a:noFill/>
+        </p:spPr>
+        <p:txBody>
+          <a:bodyPr wrap="square" rtlCol="0">
+            <a:spAutoFit/>
+          </a:bodyPr>
+          <a:lstStyle/>
+          <a:p>
+            <a:pPr algn="ctr" rtl="1"/>
+            <a:r>
+              <a:rPr lang="fa-IR" sz="3600" dirty="0"/>
+              <a:t>افزونه های مهم برای </a:t>
+            </a:r>
+            <a:r>
+              <a:rPr lang="en-US" sz="3600" dirty="0"/>
+              <a:t>asp.net core</a:t>
+            </a:r>
+          </a:p>
+        </p:txBody>
+      </p:sp>
+      <p:sp>
+        <p:nvSpPr>
+          <p:cNvPr id="10" name="TextBox 9"/>
+          <p:cNvSpPr txBox="1"/>
+          <p:nvPr/>
+        </p:nvSpPr>
+        <p:spPr>
+          <a:xfrm>
+            <a:off x="551699" y="1313898"/>
+            <a:ext cx="11098306" cy="2677656"/>
+          </a:xfrm>
+          <a:prstGeom prst="rect">
+            <a:avLst/>
+          </a:prstGeom>
+          <a:noFill/>
+        </p:spPr>
+        <p:txBody>
+          <a:bodyPr wrap="square" rtlCol="0">
+            <a:spAutoFit/>
+          </a:bodyPr>
+          <a:lstStyle/>
+          <a:p>
+            <a:r>
+              <a:rPr lang="en-US" sz="2800" dirty="0" err="1"/>
+              <a:t>.net</a:t>
+            </a:r>
+            <a:r>
+              <a:rPr lang="en-US" sz="2800" dirty="0"/>
+              <a:t> core add reference  </a:t>
+            </a:r>
+            <a:r>
+              <a:rPr lang="fa-IR" sz="2800" dirty="0"/>
+              <a:t>می توانیم بین پروژه ها رفرنس ایجاد کنیم</a:t>
+            </a:r>
+          </a:p>
+          <a:p>
+            <a:r>
+              <a:rPr lang="en-US" sz="2800" dirty="0"/>
+              <a:t>ASP.net core switcher  </a:t>
+            </a:r>
+            <a:r>
+              <a:rPr lang="fa-IR" sz="2800" dirty="0"/>
+              <a:t>بین مدل و پیج راحت سوئیچ میکنیم</a:t>
+            </a:r>
+          </a:p>
+          <a:p>
+            <a:r>
+              <a:rPr lang="en-US" sz="2800" dirty="0"/>
+              <a:t>Auto-using for </a:t>
+            </a:r>
+            <a:r>
+              <a:rPr lang="en-US" sz="2800" dirty="0" err="1"/>
+              <a:t>c#</a:t>
+            </a:r>
+            <a:r>
+              <a:rPr lang="en-US" sz="2800" dirty="0"/>
+              <a:t>  </a:t>
+            </a:r>
+            <a:r>
+              <a:rPr lang="fa-IR" sz="2800" dirty="0"/>
+              <a:t>به طور خودکار فضای مورد نیاز را اضافه می کند</a:t>
+            </a:r>
+          </a:p>
+          <a:p>
+            <a:r>
+              <a:rPr lang="en-US" sz="2800" dirty="0"/>
+              <a:t>C# namespace </a:t>
+            </a:r>
+            <a:r>
+              <a:rPr lang="en-US" sz="2800" dirty="0" err="1"/>
+              <a:t>autocompletion</a:t>
+            </a:r>
+            <a:r>
+              <a:rPr lang="en-US" sz="2800" dirty="0"/>
+              <a:t> </a:t>
+            </a:r>
+            <a:r>
+              <a:rPr lang="fa-IR" sz="2800" dirty="0"/>
+              <a:t>اینتلیسنس برای نام فضاها </a:t>
+            </a:r>
+          </a:p>
+          <a:p>
+            <a:r>
+              <a:rPr lang="en-US" sz="2800" dirty="0"/>
+              <a:t>Highlight matching tag  </a:t>
+            </a:r>
+            <a:r>
+              <a:rPr lang="fa-IR" sz="2800" dirty="0"/>
+              <a:t>نمایان کردن تگ پایانی آن تگی که انتخاب شده است</a:t>
+            </a:r>
+          </a:p>
+          <a:p>
+            <a:r>
+              <a:rPr lang="en-US" sz="2800" dirty="0" err="1"/>
+              <a:t>Sql</a:t>
+            </a:r>
+            <a:r>
+              <a:rPr lang="en-US" sz="2800" dirty="0"/>
+              <a:t> server (</a:t>
+            </a:r>
+            <a:r>
+              <a:rPr lang="en-US" sz="2800" dirty="0" err="1"/>
+              <a:t>mssql</a:t>
+            </a:r>
+            <a:r>
+              <a:rPr lang="en-US" sz="2800" dirty="0"/>
+              <a:t>)   </a:t>
+            </a:r>
+            <a:r>
+              <a:rPr lang="fa-IR" sz="2800" dirty="0"/>
+              <a:t>دسترسی به بانک اطلاعاتی</a:t>
+            </a:r>
+            <a:endParaRPr lang="en-US" sz="2800" dirty="0"/>
+          </a:p>
+        </p:txBody>
+      </p:sp>
+    </p:spTree>
+    <p:extLst>
+      <p:ext uri="{BB962C8B-B14F-4D97-AF65-F5344CB8AC3E}">
+        <p14:creationId xmlns:p14="http://schemas.microsoft.com/office/powerpoint/2010/main" val="3869634622"/>
+      </p:ext>
+    </p:extLst>
+  </p:cSld>
+  <p:clrMapOvr>
+    <a:masterClrMapping/>
+  </p:clrMapOvr>
+</p:sld>
+</file>
+
+<file path=ppt/slides/slide8.xml><?xml version="1.0" encoding="utf-8"?>
+<p:sld xmlns:a="http://schemas.openxmlformats.org/drawingml/2006/main" xmlns:r="http://schemas.openxmlformats.org/officeDocument/2006/relationships" xmlns:p="http://schemas.openxmlformats.org/presentationml/2006/main">
+  <p:cSld>
+    <p:spTree>
+      <p:nvGrpSpPr>
+        <p:cNvPr id="1" name=""/>
+        <p:cNvGrpSpPr/>
+        <p:nvPr/>
+      </p:nvGrpSpPr>
+      <p:grpSpPr>
+        <a:xfrm>
+          <a:off x="0" y="0"/>
+          <a:ext cx="0" cy="0"/>
+          <a:chOff x="0" y="0"/>
+          <a:chExt cx="0" cy="0"/>
+        </a:xfrm>
+      </p:grpSpPr>
+      <p:sp>
+        <p:nvSpPr>
+          <p:cNvPr id="2" name="TextBox 1"/>
+          <p:cNvSpPr txBox="1"/>
+          <p:nvPr/>
+        </p:nvSpPr>
+        <p:spPr>
+          <a:xfrm>
             <a:off x="3679604" y="812709"/>
             <a:ext cx="5209310" cy="646331"/>
           </a:xfrm>
@@ -4067,6 +4552,107 @@
     <p:extLst>
       <p:ext uri="{BB962C8B-B14F-4D97-AF65-F5344CB8AC3E}">
         <p14:creationId xmlns:p14="http://schemas.microsoft.com/office/powerpoint/2010/main" val="1108883874"/>
+      </p:ext>
+    </p:extLst>
+  </p:cSld>
+  <p:clrMapOvr>
+    <a:masterClrMapping/>
+  </p:clrMapOvr>
+</p:sld>
+</file>
+
+<file path=ppt/slides/slide9.xml><?xml version="1.0" encoding="utf-8"?>
+<p:sld xmlns:a="http://schemas.openxmlformats.org/drawingml/2006/main" xmlns:r="http://schemas.openxmlformats.org/officeDocument/2006/relationships" xmlns:p="http://schemas.openxmlformats.org/presentationml/2006/main">
+  <p:cSld>
+    <p:spTree>
+      <p:nvGrpSpPr>
+        <p:cNvPr id="1" name=""/>
+        <p:cNvGrpSpPr/>
+        <p:nvPr/>
+      </p:nvGrpSpPr>
+      <p:grpSpPr>
+        <a:xfrm>
+          <a:off x="0" y="0"/>
+          <a:ext cx="0" cy="0"/>
+          <a:chOff x="0" y="0"/>
+          <a:chExt cx="0" cy="0"/>
+        </a:xfrm>
+      </p:grpSpPr>
+      <p:sp>
+        <p:nvSpPr>
+          <p:cNvPr id="2" name="TextBox 1"/>
+          <p:cNvSpPr txBox="1"/>
+          <p:nvPr/>
+        </p:nvSpPr>
+        <p:spPr>
+          <a:xfrm>
+            <a:off x="3679604" y="812709"/>
+            <a:ext cx="5209310" cy="646331"/>
+          </a:xfrm>
+          <a:prstGeom prst="rect">
+            <a:avLst/>
+          </a:prstGeom>
+          <a:noFill/>
+        </p:spPr>
+        <p:txBody>
+          <a:bodyPr wrap="square" rtlCol="0">
+            <a:spAutoFit/>
+          </a:bodyPr>
+          <a:lstStyle/>
+          <a:p>
+            <a:pPr algn="ctr" rtl="1"/>
+            <a:r>
+              <a:rPr lang="fa-IR" sz="3600" dirty="0"/>
+              <a:t>افزونه برای </a:t>
+            </a:r>
+            <a:r>
+              <a:rPr lang="en-US" sz="3600" dirty="0"/>
+              <a:t>chrome</a:t>
+            </a:r>
+          </a:p>
+        </p:txBody>
+      </p:sp>
+      <p:sp>
+        <p:nvSpPr>
+          <p:cNvPr id="5" name="TextBox 4"/>
+          <p:cNvSpPr txBox="1"/>
+          <p:nvPr/>
+        </p:nvSpPr>
+        <p:spPr>
+          <a:xfrm>
+            <a:off x="735106" y="1664262"/>
+            <a:ext cx="5037621" cy="954107"/>
+          </a:xfrm>
+          <a:prstGeom prst="rect">
+            <a:avLst/>
+          </a:prstGeom>
+          <a:noFill/>
+        </p:spPr>
+        <p:txBody>
+          <a:bodyPr wrap="square" rtlCol="0">
+            <a:spAutoFit/>
+          </a:bodyPr>
+          <a:lstStyle/>
+          <a:p>
+            <a:r>
+              <a:rPr lang="en-US" sz="2800" dirty="0" err="1"/>
+              <a:t>Wappanalyzer</a:t>
+            </a:r>
+            <a:endParaRPr lang="en-US" sz="2800" dirty="0"/>
+          </a:p>
+          <a:p>
+            <a:r>
+              <a:rPr lang="fa-IR" sz="2800" dirty="0"/>
+              <a:t>نمایش نوع سایت و فریم ورک ها</a:t>
+            </a:r>
+            <a:endParaRPr lang="en-US" sz="2800" dirty="0"/>
+          </a:p>
+        </p:txBody>
+      </p:sp>
+    </p:spTree>
+    <p:extLst>
+      <p:ext uri="{BB962C8B-B14F-4D97-AF65-F5344CB8AC3E}">
+        <p14:creationId xmlns:p14="http://schemas.microsoft.com/office/powerpoint/2010/main" val="3229139252"/>
       </p:ext>
     </p:extLst>
   </p:cSld>
